--- a/statistics-open-stax/ppt/1-2-data-sampling-and-variation-in-data-and-sampling.pptx
+++ b/statistics-open-stax/ppt/1-2-data-sampling-and-variation-in-data-and-sampling.pptx
@@ -117,6 +117,11 @@
       </a:defRPr>
     </a:lvl9pPr>
   </p:defaultTextStyle>
+  <p:extLst>
+    <p:ext uri="{EFAFB233-063F-42B5-8137-9DF3F51BA10A}">
+      <p15:sldGuideLst xmlns:p15="http://schemas.microsoft.com/office/powerpoint/2012/main"/>
+    </p:ext>
+  </p:extLst>
 </p:presentation>
 </file>
 
@@ -874,7 +879,7 @@
           <a:p>
             <a:fld id="{F855326A-029F-4DFF-88B2-EB11EE5AF28F}" type="datetimeFigureOut">
               <a:rPr lang="en-US" smtClean="0"/>
-              <a:t>2025-09-04</a:t>
+              <a:t>2025-09-05</a:t>
             </a:fld>
             <a:endParaRPr lang="en-US"/>
           </a:p>
@@ -1044,7 +1049,7 @@
           <a:p>
             <a:fld id="{F855326A-029F-4DFF-88B2-EB11EE5AF28F}" type="datetimeFigureOut">
               <a:rPr lang="en-US" smtClean="0"/>
-              <a:t>2025-09-04</a:t>
+              <a:t>2025-09-05</a:t>
             </a:fld>
             <a:endParaRPr lang="en-US"/>
           </a:p>
@@ -1224,7 +1229,7 @@
           <a:p>
             <a:fld id="{F855326A-029F-4DFF-88B2-EB11EE5AF28F}" type="datetimeFigureOut">
               <a:rPr lang="en-US" smtClean="0"/>
-              <a:t>2025-09-04</a:t>
+              <a:t>2025-09-05</a:t>
             </a:fld>
             <a:endParaRPr lang="en-US"/>
           </a:p>
@@ -1394,7 +1399,7 @@
           <a:p>
             <a:fld id="{F855326A-029F-4DFF-88B2-EB11EE5AF28F}" type="datetimeFigureOut">
               <a:rPr lang="en-US" smtClean="0"/>
-              <a:t>2025-09-04</a:t>
+              <a:t>2025-09-05</a:t>
             </a:fld>
             <a:endParaRPr lang="en-US"/>
           </a:p>
@@ -1640,7 +1645,7 @@
           <a:p>
             <a:fld id="{F855326A-029F-4DFF-88B2-EB11EE5AF28F}" type="datetimeFigureOut">
               <a:rPr lang="en-US" smtClean="0"/>
-              <a:t>2025-09-04</a:t>
+              <a:t>2025-09-05</a:t>
             </a:fld>
             <a:endParaRPr lang="en-US"/>
           </a:p>
@@ -1872,7 +1877,7 @@
           <a:p>
             <a:fld id="{F855326A-029F-4DFF-88B2-EB11EE5AF28F}" type="datetimeFigureOut">
               <a:rPr lang="en-US" smtClean="0"/>
-              <a:t>2025-09-04</a:t>
+              <a:t>2025-09-05</a:t>
             </a:fld>
             <a:endParaRPr lang="en-US"/>
           </a:p>
@@ -2239,7 +2244,7 @@
           <a:p>
             <a:fld id="{F855326A-029F-4DFF-88B2-EB11EE5AF28F}" type="datetimeFigureOut">
               <a:rPr lang="en-US" smtClean="0"/>
-              <a:t>2025-09-04</a:t>
+              <a:t>2025-09-05</a:t>
             </a:fld>
             <a:endParaRPr lang="en-US"/>
           </a:p>
@@ -2357,7 +2362,7 @@
           <a:p>
             <a:fld id="{F855326A-029F-4DFF-88B2-EB11EE5AF28F}" type="datetimeFigureOut">
               <a:rPr lang="en-US" smtClean="0"/>
-              <a:t>2025-09-04</a:t>
+              <a:t>2025-09-05</a:t>
             </a:fld>
             <a:endParaRPr lang="en-US"/>
           </a:p>
@@ -2452,7 +2457,7 @@
           <a:p>
             <a:fld id="{F855326A-029F-4DFF-88B2-EB11EE5AF28F}" type="datetimeFigureOut">
               <a:rPr lang="en-US" smtClean="0"/>
-              <a:t>2025-09-04</a:t>
+              <a:t>2025-09-05</a:t>
             </a:fld>
             <a:endParaRPr lang="en-US"/>
           </a:p>
@@ -2729,7 +2734,7 @@
           <a:p>
             <a:fld id="{F855326A-029F-4DFF-88B2-EB11EE5AF28F}" type="datetimeFigureOut">
               <a:rPr lang="en-US" smtClean="0"/>
-              <a:t>2025-09-04</a:t>
+              <a:t>2025-09-05</a:t>
             </a:fld>
             <a:endParaRPr lang="en-US"/>
           </a:p>
@@ -2986,7 +2991,7 @@
           <a:p>
             <a:fld id="{F855326A-029F-4DFF-88B2-EB11EE5AF28F}" type="datetimeFigureOut">
               <a:rPr lang="en-US" smtClean="0"/>
-              <a:t>2025-09-04</a:t>
+              <a:t>2025-09-05</a:t>
             </a:fld>
             <a:endParaRPr lang="en-US"/>
           </a:p>
@@ -3199,7 +3204,7 @@
           <a:p>
             <a:fld id="{F855326A-029F-4DFF-88B2-EB11EE5AF28F}" type="datetimeFigureOut">
               <a:rPr lang="en-US" smtClean="0"/>
-              <a:t>2025-09-04</a:t>
+              <a:t>2025-09-05</a:t>
             </a:fld>
             <a:endParaRPr lang="en-US"/>
           </a:p>
@@ -3790,16 +3795,9 @@
           </a:p>
           <a:p>
             <a:r>
-              <a:rPr lang="en-US"/>
+              <a:rPr lang="en-US" dirty="0"/>
               <a:t>Inner vs outer part of the table</a:t>
             </a:r>
-            <a:endParaRPr lang="en-US" dirty="0"/>
-          </a:p>
-          <a:p>
-            <a:pPr marL="0" indent="0">
-              <a:buNone/>
-            </a:pPr>
-            <a:endParaRPr lang="en-US" dirty="0"/>
           </a:p>
         </p:txBody>
       </p:sp>
@@ -4539,8 +4537,8 @@
           </a:p>
         </p:txBody>
       </p:sp>
-      <mc:AlternateContent xmlns:mc="http://schemas.openxmlformats.org/markup-compatibility/2006">
-        <mc:Choice xmlns:a14="http://schemas.microsoft.com/office/drawing/2010/main" Requires="a14">
+      <mc:AlternateContent xmlns:mc="http://schemas.openxmlformats.org/markup-compatibility/2006" xmlns:a14="http://schemas.microsoft.com/office/drawing/2010/main">
+        <mc:Choice Requires="a14">
           <p:sp>
             <p:nvSpPr>
               <p:cNvPr id="3" name="Content Placeholder 2">
@@ -4618,7 +4616,7 @@
             </p:txBody>
           </p:sp>
         </mc:Choice>
-        <mc:Fallback>
+        <mc:Fallback xmlns="">
           <p:sp>
             <p:nvSpPr>
               <p:cNvPr id="3" name="Content Placeholder 2">
@@ -5049,8 +5047,8 @@
           </a:p>
         </p:txBody>
       </p:sp>
-      <mc:AlternateContent xmlns:mc="http://schemas.openxmlformats.org/markup-compatibility/2006">
-        <mc:Choice xmlns:a14="http://schemas.microsoft.com/office/drawing/2010/main" Requires="a14">
+      <mc:AlternateContent xmlns:mc="http://schemas.openxmlformats.org/markup-compatibility/2006" xmlns:a14="http://schemas.microsoft.com/office/drawing/2010/main">
+        <mc:Choice Requires="a14">
           <p:sp>
             <p:nvSpPr>
               <p:cNvPr id="3" name="Content Placeholder 2">
@@ -5134,7 +5132,7 @@
             </p:txBody>
           </p:sp>
         </mc:Choice>
-        <mc:Fallback>
+        <mc:Fallback xmlns="">
           <p:sp>
             <p:nvSpPr>
               <p:cNvPr id="3" name="Content Placeholder 2">
@@ -5299,7 +5297,12 @@
             <p:ph type="title"/>
           </p:nvPr>
         </p:nvSpPr>
-        <p:spPr/>
+        <p:spPr>
+          <a:xfrm>
+            <a:off x="838200" y="365125"/>
+            <a:ext cx="10515600" cy="1325563"/>
+          </a:xfrm>
+        </p:spPr>
         <p:txBody>
           <a:bodyPr/>
           <a:lstStyle/>
@@ -5327,7 +5330,12 @@
             <p:ph idx="1"/>
           </p:nvPr>
         </p:nvSpPr>
-        <p:spPr/>
+        <p:spPr>
+          <a:xfrm>
+            <a:off x="838200" y="1825625"/>
+            <a:ext cx="10515600" cy="4351338"/>
+          </a:xfrm>
+        </p:spPr>
         <p:txBody>
           <a:bodyPr/>
           <a:lstStyle/>
@@ -5486,7 +5494,7 @@
           <a:p>
             <a:r>
               <a:rPr lang="en-US" dirty="0"/>
-              <a:t> e.g., hair color, blood type, place of birth</a:t>
+              <a:t>e.g., hair color, blood type, place of birth</a:t>
             </a:r>
           </a:p>
           <a:p>
@@ -7373,7 +7381,7 @@
           <a:p>
             <a:r>
               <a:rPr lang="en-US" dirty="0"/>
-              <a:t>Preferrable to pie charts if there are many categories</a:t>
+              <a:t>Preferable to pie charts if there are many categories</a:t>
             </a:r>
           </a:p>
         </p:txBody>
